--- a/Business Analytics Capstone/Effects and Measurement Metrics.pptx
+++ b/Business Analytics Capstone/Effects and Measurement Metrics.pptx
@@ -259,7 +259,7 @@
           <a:p>
             <a:fld id="{BE05082A-7C3C-4640-B7FE-7C53B0E7AE9F}" type="datetimeFigureOut">
               <a:rPr lang="en-US" smtClean="0"/>
-              <a:t>12/25/2023</a:t>
+              <a:t>6/7/2024</a:t>
             </a:fld>
             <a:endParaRPr lang="en-US"/>
           </a:p>
@@ -429,7 +429,7 @@
           <a:p>
             <a:fld id="{BE05082A-7C3C-4640-B7FE-7C53B0E7AE9F}" type="datetimeFigureOut">
               <a:rPr lang="en-US" smtClean="0"/>
-              <a:t>12/25/2023</a:t>
+              <a:t>6/7/2024</a:t>
             </a:fld>
             <a:endParaRPr lang="en-US"/>
           </a:p>
@@ -609,7 +609,7 @@
           <a:p>
             <a:fld id="{BE05082A-7C3C-4640-B7FE-7C53B0E7AE9F}" type="datetimeFigureOut">
               <a:rPr lang="en-US" smtClean="0"/>
-              <a:t>12/25/2023</a:t>
+              <a:t>6/7/2024</a:t>
             </a:fld>
             <a:endParaRPr lang="en-US"/>
           </a:p>
@@ -779,7 +779,7 @@
           <a:p>
             <a:fld id="{BE05082A-7C3C-4640-B7FE-7C53B0E7AE9F}" type="datetimeFigureOut">
               <a:rPr lang="en-US" smtClean="0"/>
-              <a:t>12/25/2023</a:t>
+              <a:t>6/7/2024</a:t>
             </a:fld>
             <a:endParaRPr lang="en-US"/>
           </a:p>
@@ -1023,7 +1023,7 @@
           <a:p>
             <a:fld id="{BE05082A-7C3C-4640-B7FE-7C53B0E7AE9F}" type="datetimeFigureOut">
               <a:rPr lang="en-US" smtClean="0"/>
-              <a:t>12/25/2023</a:t>
+              <a:t>6/7/2024</a:t>
             </a:fld>
             <a:endParaRPr lang="en-US"/>
           </a:p>
@@ -1255,7 +1255,7 @@
           <a:p>
             <a:fld id="{BE05082A-7C3C-4640-B7FE-7C53B0E7AE9F}" type="datetimeFigureOut">
               <a:rPr lang="en-US" smtClean="0"/>
-              <a:t>12/25/2023</a:t>
+              <a:t>6/7/2024</a:t>
             </a:fld>
             <a:endParaRPr lang="en-US"/>
           </a:p>
@@ -1622,7 +1622,7 @@
           <a:p>
             <a:fld id="{BE05082A-7C3C-4640-B7FE-7C53B0E7AE9F}" type="datetimeFigureOut">
               <a:rPr lang="en-US" smtClean="0"/>
-              <a:t>12/25/2023</a:t>
+              <a:t>6/7/2024</a:t>
             </a:fld>
             <a:endParaRPr lang="en-US"/>
           </a:p>
@@ -1740,7 +1740,7 @@
           <a:p>
             <a:fld id="{BE05082A-7C3C-4640-B7FE-7C53B0E7AE9F}" type="datetimeFigureOut">
               <a:rPr lang="en-US" smtClean="0"/>
-              <a:t>12/25/2023</a:t>
+              <a:t>6/7/2024</a:t>
             </a:fld>
             <a:endParaRPr lang="en-US"/>
           </a:p>
@@ -1835,7 +1835,7 @@
           <a:p>
             <a:fld id="{BE05082A-7C3C-4640-B7FE-7C53B0E7AE9F}" type="datetimeFigureOut">
               <a:rPr lang="en-US" smtClean="0"/>
-              <a:t>12/25/2023</a:t>
+              <a:t>6/7/2024</a:t>
             </a:fld>
             <a:endParaRPr lang="en-US"/>
           </a:p>
@@ -2112,7 +2112,7 @@
           <a:p>
             <a:fld id="{BE05082A-7C3C-4640-B7FE-7C53B0E7AE9F}" type="datetimeFigureOut">
               <a:rPr lang="en-US" smtClean="0"/>
-              <a:t>12/25/2023</a:t>
+              <a:t>6/7/2024</a:t>
             </a:fld>
             <a:endParaRPr lang="en-US"/>
           </a:p>
@@ -2369,7 +2369,7 @@
           <a:p>
             <a:fld id="{BE05082A-7C3C-4640-B7FE-7C53B0E7AE9F}" type="datetimeFigureOut">
               <a:rPr lang="en-US" smtClean="0"/>
-              <a:t>12/25/2023</a:t>
+              <a:t>6/7/2024</a:t>
             </a:fld>
             <a:endParaRPr lang="en-US"/>
           </a:p>
@@ -2582,7 +2582,7 @@
           <a:p>
             <a:fld id="{BE05082A-7C3C-4640-B7FE-7C53B0E7AE9F}" type="datetimeFigureOut">
               <a:rPr lang="en-US" smtClean="0"/>
-              <a:t>12/25/2023</a:t>
+              <a:t>6/7/2024</a:t>
             </a:fld>
             <a:endParaRPr lang="en-US"/>
           </a:p>
@@ -3051,15 +3051,18 @@
               <a:rPr lang="en-US" dirty="0" smtClean="0">
                 <a:latin typeface="Arial Black" panose="020B0A04020102020204" pitchFamily="34" charset="0"/>
               </a:rPr>
-              <a:t>Dennis</a:t>
-            </a:r>
+              <a:t>Dennis L</a:t>
+            </a:r>
+            <a:endParaRPr lang="en-US" dirty="0" smtClean="0">
+              <a:latin typeface="Arial Black" panose="020B0A04020102020204" pitchFamily="34" charset="0"/>
+            </a:endParaRPr>
           </a:p>
           <a:p>
             <a:r>
               <a:rPr lang="en-US" dirty="0" smtClean="0">
                 <a:latin typeface="Arial Black" panose="020B0A04020102020204" pitchFamily="34" charset="0"/>
               </a:rPr>
-              <a:t>Dec 2023</a:t>
+              <a:t>June 2024</a:t>
             </a:r>
             <a:endParaRPr lang="en-US" dirty="0">
               <a:latin typeface="Arial Black" panose="020B0A04020102020204" pitchFamily="34" charset="0"/>
@@ -3157,12 +3160,12 @@
           <a:lstStyle/>
           <a:p>
             <a:r>
-              <a:rPr lang="en-US" sz="4000" dirty="0" smtClean="0">
+              <a:rPr lang="en-US" sz="5400" dirty="0" smtClean="0">
                 <a:latin typeface="Arial Black" panose="020B0A04020102020204" pitchFamily="34" charset="0"/>
               </a:rPr>
               <a:t>Effects and Measurement</a:t>
             </a:r>
-            <a:endParaRPr lang="en-US" sz="4000" dirty="0">
+            <a:endParaRPr lang="en-US" sz="5400" dirty="0">
               <a:latin typeface="Arial Black" panose="020B0A04020102020204" pitchFamily="34" charset="0"/>
             </a:endParaRPr>
           </a:p>
